--- a/Python/Crawler_Notes.pptx
+++ b/Python/Crawler_Notes.pptx
@@ -8,16 +8,24 @@
     <p:notesMasterId r:id="rId4"/>
   </p:notesMasterIdLst>
   <p:handoutMasterIdLst>
-    <p:handoutMasterId r:id="rId8"/>
+    <p:handoutMasterId r:id="rId13"/>
   </p:handoutMasterIdLst>
   <p:sldIdLst>
     <p:sldId id="256" r:id="rId3"/>
-    <p:sldId id="259" r:id="rId5"/>
-    <p:sldId id="257" r:id="rId6"/>
-    <p:sldId id="260" r:id="rId7"/>
+    <p:sldId id="269" r:id="rId5"/>
+    <p:sldId id="262" r:id="rId6"/>
+    <p:sldId id="263" r:id="rId7"/>
+    <p:sldId id="264" r:id="rId8"/>
+    <p:sldId id="265" r:id="rId9"/>
+    <p:sldId id="259" r:id="rId10"/>
+    <p:sldId id="257" r:id="rId11"/>
+    <p:sldId id="260" r:id="rId12"/>
   </p:sldIdLst>
   <p:sldSz cx="12192000" cy="6858000"/>
   <p:notesSz cx="6858000" cy="9144000"/>
+  <p:custDataLst>
+    <p:tags r:id="rId17"/>
+  </p:custDataLst>
   <p:defaultTextStyle>
     <a:defPPr>
       <a:defRPr lang="zh-CN"/>
@@ -113,6 +121,22 @@
       </a:defRPr>
     </a:lvl9pPr>
   </p:defaultTextStyle>
+  <p:extLst>
+    <p:ext uri="{EFAFB233-063F-42B5-8137-9DF3F51BA10A}">
+      <p15:sldGuideLst xmlns:p15="http://schemas.microsoft.com/office/powerpoint/2012/main">
+        <p15:guide id="1" orient="horz" pos="2196" userDrawn="1">
+          <p15:clr>
+            <a:srgbClr val="A4A3A4"/>
+          </p15:clr>
+        </p15:guide>
+        <p15:guide id="2" pos="3840" userDrawn="1">
+          <p15:clr>
+            <a:srgbClr val="A4A3A4"/>
+          </p15:clr>
+        </p15:guide>
+      </p15:sldGuideLst>
+    </p:ext>
+  </p:extLst>
 </p:presentation>
 </file>
 
@@ -3779,7 +3803,7 @@
       <p:grpSpPr/>
       <p:sp>
         <p:nvSpPr>
-          <p:cNvPr id="4" name="标题 3"/>
+          <p:cNvPr id="2" name="标题 1"/>
           <p:cNvSpPr>
             <a:spLocks noGrp="1"/>
           </p:cNvSpPr>
@@ -3793,7 +3817,7 @@
           <a:p>
             <a:r>
               <a:rPr lang="en-US" altLang="zh-CN"/>
-              <a:t>Scrapy</a:t>
+              <a:t>References</a:t>
             </a:r>
             <a:endParaRPr lang="en-US" altLang="zh-CN"/>
           </a:p>
@@ -3801,18 +3825,38 @@
       </p:sp>
       <p:sp>
         <p:nvSpPr>
-          <p:cNvPr id="5" name="文本占位符 4"/>
-          <p:cNvSpPr>
-            <a:spLocks noGrp="1"/>
-          </p:cNvSpPr>
-          <p:nvPr>
-            <p:ph type="body" idx="1"/>
+          <p:cNvPr id="3" name="内容占位符 2"/>
+          <p:cNvSpPr>
+            <a:spLocks noGrp="1"/>
+          </p:cNvSpPr>
+          <p:nvPr>
+            <p:ph idx="1"/>
           </p:nvPr>
         </p:nvSpPr>
         <p:spPr/>
         <p:txBody>
           <a:bodyPr/>
           <a:p>
+            <a:r>
+              <a:rPr lang="en-US" altLang="zh-CN"/>
+              <a:t>Crawl by Python</a:t>
+            </a:r>
+            <a:endParaRPr lang="en-US" altLang="zh-CN"/>
+          </a:p>
+          <a:p>
+            <a:pPr lvl="1"/>
+            <a:r>
+              <a:rPr lang="zh-CN" altLang="en-US"/>
+              <a:t>https://www.scrapingbee.com/blog/crawling-python/</a:t>
+            </a:r>
+            <a:endParaRPr lang="zh-CN" altLang="en-US"/>
+          </a:p>
+          <a:p>
+            <a:pPr lvl="1"/>
+            <a:r>
+              <a:rPr lang="zh-CN" altLang="en-US"/>
+              <a:t>https://scrapfly.io/blog/crawling-with-python/</a:t>
+            </a:r>
             <a:endParaRPr lang="zh-CN" altLang="en-US"/>
           </a:p>
         </p:txBody>
@@ -3854,7 +3898,7 @@
           <a:p>
             <a:r>
               <a:rPr lang="en-US" altLang="zh-CN"/>
-              <a:t>Introduction</a:t>
+              <a:t>Overview</a:t>
             </a:r>
             <a:endParaRPr lang="en-US" altLang="zh-CN"/>
           </a:p>
@@ -3870,29 +3914,34 @@
             <p:ph idx="1"/>
           </p:nvPr>
         </p:nvSpPr>
-        <p:spPr/>
-        <p:txBody>
-          <a:bodyPr>
-            <a:normAutofit lnSpcReduction="20000"/>
-          </a:bodyPr>
+        <p:spPr>
+          <a:xfrm>
+            <a:off x="838200" y="1211580"/>
+            <a:ext cx="5812790" cy="4549140"/>
+          </a:xfrm>
+        </p:spPr>
+        <p:txBody>
+          <a:bodyPr/>
           <a:p>
             <a:r>
               <a:rPr lang="en-US" altLang="zh-CN"/>
-              <a:t>pip install scrapy</a:t>
+              <a:t>Methods</a:t>
             </a:r>
             <a:endParaRPr lang="en-US" altLang="zh-CN"/>
           </a:p>
           <a:p>
+            <a:pPr lvl="1"/>
             <a:r>
               <a:rPr lang="en-US" altLang="zh-CN"/>
-              <a:t>import scrapy</a:t>
+              <a:t>use requests lib to get/post API</a:t>
             </a:r>
             <a:endParaRPr lang="en-US" altLang="zh-CN"/>
           </a:p>
           <a:p>
+            <a:pPr lvl="2"/>
             <a:r>
               <a:rPr lang="en-US" altLang="zh-CN"/>
-              <a:t>class scrapy.Spider</a:t>
+              <a:t>page = requests.get(URL)</a:t>
             </a:r>
             <a:endParaRPr lang="en-US" altLang="zh-CN"/>
           </a:p>
@@ -3900,91 +3949,81 @@
             <a:pPr lvl="1"/>
             <a:r>
               <a:rPr lang="en-US" altLang="zh-CN"/>
-              <a:t>parse(self, response)</a:t>
+              <a:t>use beautiful-soup lib to parse html</a:t>
             </a:r>
             <a:endParaRPr lang="en-US" altLang="zh-CN"/>
           </a:p>
           <a:p>
-            <a:pPr lvl="0"/>
+            <a:pPr lvl="2"/>
             <a:r>
               <a:rPr lang="en-US" altLang="zh-CN"/>
-              <a:t>scrapy runspider spider.py -o output json</a:t>
+              <a:t>from bs4 import BeautifulSoup</a:t>
             </a:r>
             <a:endParaRPr lang="en-US" altLang="zh-CN"/>
           </a:p>
           <a:p>
-            <a:pPr lvl="0"/>
+            <a:pPr lvl="2"/>
             <a:r>
               <a:rPr lang="en-US" altLang="zh-CN"/>
-              <a:t>scrapy shell “http://...”</a:t>
+              <a:t>soup = BeautifulSoup(page.content, "html.parser")</a:t>
             </a:r>
             <a:endParaRPr lang="en-US" altLang="zh-CN"/>
           </a:p>
           <a:p>
-            <a:pPr lvl="0"/>
+            <a:pPr lvl="2"/>
             <a:r>
               <a:rPr lang="en-US" altLang="zh-CN"/>
-              <a:t>reponse</a:t>
+              <a:t>results = soup.find(id="ResultsContainer")</a:t>
             </a:r>
             <a:endParaRPr lang="en-US" altLang="zh-CN"/>
           </a:p>
           <a:p>
+            <a:pPr lvl="2"/>
+            <a:r>
+              <a:rPr lang="en-US" altLang="zh-CN"/>
+              <a:t>print(results.prettify())</a:t>
+            </a:r>
+            <a:endParaRPr lang="en-US" altLang="zh-CN"/>
+          </a:p>
+          <a:p>
             <a:pPr lvl="1"/>
             <a:r>
-              <a:rPr lang="en-US" altLang="zh-CN" sz="2000"/>
-              <a:t>body, encoding</a:t>
+              <a:rPr lang="en-US" altLang="zh-CN"/>
+              <a:t>scrapy</a:t>
             </a:r>
             <a:endParaRPr lang="en-US" altLang="zh-CN"/>
           </a:p>
-          <a:p>
-            <a:pPr lvl="0"/>
-            <a:r>
-              <a:rPr lang="en-US" altLang="zh-CN"/>
-              <a:t>Select elements</a:t>
-            </a:r>
-            <a:endParaRPr lang="en-US" altLang="zh-CN"/>
-          </a:p>
-          <a:p>
-            <a:pPr lvl="1"/>
-            <a:r>
-              <a:rPr lang="en-US" altLang="zh-CN" sz="2000"/>
-              <a:t>CSS</a:t>
-            </a:r>
-            <a:endParaRPr lang="en-US" altLang="zh-CN" sz="2000"/>
-          </a:p>
-          <a:p>
-            <a:pPr lvl="2"/>
-            <a:r>
-              <a:rPr lang="en-US" altLang="zh-CN" sz="1800"/>
-              <a:t>response.css('...')</a:t>
-            </a:r>
-            <a:endParaRPr lang="en-US" altLang="zh-CN" sz="1800"/>
-          </a:p>
-          <a:p>
-            <a:pPr lvl="1"/>
-            <a:r>
-              <a:rPr lang="en-US" altLang="zh-CN" sz="2000"/>
-              <a:t>XPath</a:t>
-            </a:r>
-            <a:endParaRPr lang="en-US" altLang="zh-CN" sz="2000"/>
-          </a:p>
-          <a:p>
-            <a:pPr lvl="2"/>
-            <a:r>
-              <a:rPr lang="en-US" altLang="zh-CN" sz="1800"/>
-              <a:t>response.xpath('//title/text()')</a:t>
-            </a:r>
-            <a:endParaRPr lang="en-US" altLang="zh-CN"/>
-          </a:p>
-          <a:p>
-            <a:pPr lvl="0"/>
-            <a:endParaRPr lang="en-US" altLang="zh-CN"/>
-          </a:p>
-        </p:txBody>
-      </p:sp>
+        </p:txBody>
+      </p:sp>
+      <p:pic>
+        <p:nvPicPr>
+          <p:cNvPr id="107" name="图片 106"/>
+          <p:cNvPicPr/>
+          <p:nvPr/>
+        </p:nvPicPr>
+        <p:blipFill>
+          <a:blip r:embed="rId1"/>
+          <a:stretch>
+            <a:fillRect/>
+          </a:stretch>
+        </p:blipFill>
+        <p:spPr>
+          <a:xfrm>
+            <a:off x="7398385" y="803910"/>
+            <a:ext cx="4153535" cy="5364480"/>
+          </a:xfrm>
+          <a:prstGeom prst="rect">
+            <a:avLst/>
+          </a:prstGeom>
+          <a:noFill/>
+          <a:ln w="9525">
+            <a:noFill/>
+          </a:ln>
+        </p:spPr>
+      </p:pic>
     </p:spTree>
     <p:custDataLst>
-      <p:tags r:id="rId1"/>
+      <p:tags r:id="rId2"/>
     </p:custDataLst>
   </p:cSld>
   <p:clrMapOvr>
@@ -4019,6 +4058,774 @@
           <a:p>
             <a:r>
               <a:rPr lang="en-US" altLang="zh-CN"/>
+              <a:t>request + beautiful-soup</a:t>
+            </a:r>
+            <a:endParaRPr lang="en-US" altLang="zh-CN"/>
+          </a:p>
+        </p:txBody>
+      </p:sp>
+      <p:sp>
+        <p:nvSpPr>
+          <p:cNvPr id="3" name="内容占位符 2"/>
+          <p:cNvSpPr>
+            <a:spLocks noGrp="1"/>
+          </p:cNvSpPr>
+          <p:nvPr>
+            <p:ph idx="1"/>
+          </p:nvPr>
+        </p:nvSpPr>
+        <p:spPr>
+          <a:xfrm>
+            <a:off x="838200" y="1211580"/>
+            <a:ext cx="4982210" cy="4549140"/>
+          </a:xfrm>
+        </p:spPr>
+        <p:txBody>
+          <a:bodyPr/>
+          <a:p>
+            <a:r>
+              <a:rPr lang="en-US" altLang="zh-CN"/>
+              <a:t>Beautiful-soup</a:t>
+            </a:r>
+            <a:endParaRPr lang="en-US" altLang="zh-CN"/>
+          </a:p>
+          <a:p>
+            <a:pPr lvl="1"/>
+            <a:r>
+              <a:rPr lang="en-US" altLang="zh-CN"/>
+              <a:t>pip install requests bs4</a:t>
+            </a:r>
+            <a:endParaRPr lang="en-US" altLang="zh-CN"/>
+          </a:p>
+          <a:p>
+            <a:pPr lvl="1"/>
+            <a:r>
+              <a:rPr lang="en-US" altLang="zh-CN"/>
+              <a:t>find elements by element ID</a:t>
+            </a:r>
+            <a:endParaRPr lang="en-US" altLang="zh-CN"/>
+          </a:p>
+          <a:p>
+            <a:pPr lvl="2"/>
+            <a:r>
+              <a:rPr lang="en-US" altLang="zh-CN"/>
+              <a:t>results = soup.find(id="ResultsContainer")</a:t>
+            </a:r>
+            <a:endParaRPr lang="en-US" altLang="zh-CN"/>
+          </a:p>
+          <a:p>
+            <a:pPr lvl="1"/>
+            <a:r>
+              <a:rPr lang="en-US" altLang="zh-CN"/>
+              <a:t>find elements by class name</a:t>
+            </a:r>
+            <a:endParaRPr lang="en-US" altLang="zh-CN"/>
+          </a:p>
+          <a:p>
+            <a:pPr lvl="2"/>
+            <a:r>
+              <a:rPr lang="en-US" altLang="zh-CN"/>
+              <a:t>job_elements = results.find_all("div", class_="card-content")</a:t>
+            </a:r>
+            <a:endParaRPr lang="en-US" altLang="zh-CN"/>
+          </a:p>
+          <a:p>
+            <a:pPr lvl="1"/>
+            <a:r>
+              <a:rPr lang="en-US" altLang="zh-CN"/>
+              <a:t>find elements by class name and text content</a:t>
+            </a:r>
+            <a:endParaRPr lang="en-US" altLang="zh-CN"/>
+          </a:p>
+          <a:p>
+            <a:pPr lvl="2"/>
+            <a:r>
+              <a:rPr lang="en-US" altLang="zh-CN"/>
+              <a:t>python_jobs = results.find_all("h2", string="Python")</a:t>
+            </a:r>
+            <a:endParaRPr lang="en-US" altLang="zh-CN"/>
+          </a:p>
+        </p:txBody>
+      </p:sp>
+      <p:pic>
+        <p:nvPicPr>
+          <p:cNvPr id="109" name="图片 108"/>
+          <p:cNvPicPr/>
+          <p:nvPr/>
+        </p:nvPicPr>
+        <p:blipFill>
+          <a:blip r:embed="rId1"/>
+          <a:stretch>
+            <a:fillRect/>
+          </a:stretch>
+        </p:blipFill>
+        <p:spPr>
+          <a:xfrm>
+            <a:off x="5935345" y="1211580"/>
+            <a:ext cx="5880100" cy="3568700"/>
+          </a:xfrm>
+          <a:prstGeom prst="rect">
+            <a:avLst/>
+          </a:prstGeom>
+          <a:noFill/>
+          <a:ln w="9525">
+            <a:noFill/>
+          </a:ln>
+        </p:spPr>
+      </p:pic>
+    </p:spTree>
+    <p:custDataLst>
+      <p:tags r:id="rId2"/>
+    </p:custDataLst>
+  </p:cSld>
+  <p:clrMapOvr>
+    <a:masterClrMapping/>
+  </p:clrMapOvr>
+</p:sld>
+</file>
+
+<file path=ppt/slides/slide5.xml><?xml version="1.0" encoding="utf-8"?>
+<p:sld xmlns:a="http://schemas.openxmlformats.org/drawingml/2006/main" xmlns:r="http://schemas.openxmlformats.org/officeDocument/2006/relationships" xmlns:p="http://schemas.openxmlformats.org/presentationml/2006/main">
+  <p:cSld>
+    <p:spTree>
+      <p:nvGrpSpPr>
+        <p:cNvPr id="1" name=""/>
+        <p:cNvGrpSpPr/>
+        <p:nvPr/>
+      </p:nvGrpSpPr>
+      <p:grpSpPr/>
+      <p:sp>
+        <p:nvSpPr>
+          <p:cNvPr id="2" name="标题 1"/>
+          <p:cNvSpPr>
+            <a:spLocks noGrp="1"/>
+          </p:cNvSpPr>
+          <p:nvPr>
+            <p:ph type="title"/>
+          </p:nvPr>
+        </p:nvSpPr>
+        <p:spPr/>
+        <p:txBody>
+          <a:bodyPr/>
+          <a:p>
+            <a:r>
+              <a:rPr lang="en-US" altLang="zh-CN"/>
+              <a:t>httpx+parsel+w3lib+tldextract</a:t>
+            </a:r>
+            <a:endParaRPr lang="en-US" altLang="zh-CN"/>
+          </a:p>
+        </p:txBody>
+      </p:sp>
+      <p:sp>
+        <p:nvSpPr>
+          <p:cNvPr id="3" name="内容占位符 2"/>
+          <p:cNvSpPr>
+            <a:spLocks noGrp="1"/>
+          </p:cNvSpPr>
+          <p:nvPr>
+            <p:ph idx="1"/>
+          </p:nvPr>
+        </p:nvSpPr>
+        <p:spPr/>
+        <p:txBody>
+          <a:bodyPr/>
+          <a:p>
+            <a:r>
+              <a:rPr lang="en-US" altLang="zh-CN"/>
+              <a:t>References</a:t>
+            </a:r>
+            <a:endParaRPr lang="en-US" altLang="zh-CN"/>
+          </a:p>
+          <a:p>
+            <a:pPr lvl="1"/>
+            <a:r>
+              <a:rPr lang="en-US" altLang="zh-CN"/>
+              <a:t>https://scrapfly.io/blog/crawling-with-python/</a:t>
+            </a:r>
+            <a:endParaRPr lang="en-US" altLang="zh-CN"/>
+          </a:p>
+          <a:p>
+            <a:pPr lvl="0"/>
+            <a:r>
+              <a:rPr lang="en-US" altLang="zh-CN"/>
+              <a:t>Install</a:t>
+            </a:r>
+            <a:endParaRPr lang="en-US" altLang="zh-CN"/>
+          </a:p>
+          <a:p>
+            <a:pPr lvl="1"/>
+            <a:r>
+              <a:rPr lang="en-US" altLang="zh-CN"/>
+              <a:t>pip install httpx parsel w3lib tldextract loguru</a:t>
+            </a:r>
+            <a:endParaRPr lang="en-US" altLang="zh-CN"/>
+          </a:p>
+        </p:txBody>
+      </p:sp>
+    </p:spTree>
+    <p:custDataLst>
+      <p:tags r:id="rId1"/>
+    </p:custDataLst>
+  </p:cSld>
+  <p:clrMapOvr>
+    <a:masterClrMapping/>
+  </p:clrMapOvr>
+</p:sld>
+</file>
+
+<file path=ppt/slides/slide6.xml><?xml version="1.0" encoding="utf-8"?>
+<p:sld xmlns:a="http://schemas.openxmlformats.org/drawingml/2006/main" xmlns:r="http://schemas.openxmlformats.org/officeDocument/2006/relationships" xmlns:p="http://schemas.openxmlformats.org/presentationml/2006/main">
+  <p:cSld>
+    <p:spTree>
+      <p:nvGrpSpPr>
+        <p:cNvPr id="1" name=""/>
+        <p:cNvGrpSpPr/>
+        <p:nvPr/>
+      </p:nvGrpSpPr>
+      <p:grpSpPr/>
+      <p:sp>
+        <p:nvSpPr>
+          <p:cNvPr id="2" name="标题 1"/>
+          <p:cNvSpPr>
+            <a:spLocks noGrp="1"/>
+          </p:cNvSpPr>
+          <p:nvPr>
+            <p:ph type="title"/>
+          </p:nvPr>
+        </p:nvSpPr>
+        <p:spPr/>
+        <p:txBody>
+          <a:bodyPr/>
+          <a:p>
+            <a:r>
+              <a:rPr lang="en-US" altLang="zh-CN"/>
+              <a:t>Xpath</a:t>
+            </a:r>
+            <a:endParaRPr lang="en-US" altLang="zh-CN"/>
+          </a:p>
+        </p:txBody>
+      </p:sp>
+      <p:sp>
+        <p:nvSpPr>
+          <p:cNvPr id="3" name="内容占位符 2"/>
+          <p:cNvSpPr>
+            <a:spLocks noGrp="1"/>
+          </p:cNvSpPr>
+          <p:nvPr>
+            <p:ph idx="1"/>
+          </p:nvPr>
+        </p:nvSpPr>
+        <p:spPr>
+          <a:xfrm>
+            <a:off x="838200" y="1211580"/>
+            <a:ext cx="5633085" cy="4549140"/>
+          </a:xfrm>
+        </p:spPr>
+        <p:txBody>
+          <a:bodyPr>
+            <a:normAutofit lnSpcReduction="20000"/>
+          </a:bodyPr>
+          <a:p>
+            <a:r>
+              <a:rPr lang="en-US" altLang="zh-CN" sz="2000"/>
+              <a:t>References</a:t>
+            </a:r>
+            <a:endParaRPr lang="en-US" altLang="zh-CN" sz="2000"/>
+          </a:p>
+          <a:p>
+            <a:pPr lvl="1"/>
+            <a:r>
+              <a:rPr lang="en-US" altLang="zh-CN" sz="1800"/>
+              <a:t>https://www.geeksforgeeks.org/web-scraping-using-lxml-and-xpath-in-python/</a:t>
+            </a:r>
+            <a:endParaRPr lang="en-US" altLang="zh-CN" sz="1800"/>
+          </a:p>
+          <a:p>
+            <a:pPr lvl="0"/>
+            <a:r>
+              <a:rPr lang="en-US" altLang="zh-CN" sz="2000"/>
+              <a:t>Usage</a:t>
+            </a:r>
+            <a:endParaRPr lang="en-US" altLang="zh-CN" sz="2000"/>
+          </a:p>
+          <a:p>
+            <a:pPr lvl="1"/>
+            <a:r>
+              <a:rPr lang="en-US" altLang="zh-CN" sz="1800"/>
+              <a:t>from lxml import html</a:t>
+            </a:r>
+            <a:endParaRPr lang="en-US" altLang="zh-CN" sz="1800"/>
+          </a:p>
+          <a:p>
+            <a:pPr lvl="1"/>
+            <a:r>
+              <a:rPr lang="en-US" altLang="zh-CN" sz="1800"/>
+              <a:t>tree = html.fromstring(page.content)</a:t>
+            </a:r>
+            <a:endParaRPr lang="en-US" altLang="zh-CN" sz="1800"/>
+          </a:p>
+          <a:p>
+            <a:pPr lvl="1"/>
+            <a:r>
+              <a:rPr lang="en-US" altLang="zh-CN" sz="1800"/>
+              <a:t>element = tree.xpath(‘xpath’)</a:t>
+            </a:r>
+            <a:endParaRPr lang="en-US" altLang="zh-CN" sz="1800"/>
+          </a:p>
+          <a:p>
+            <a:pPr lvl="2"/>
+            <a:r>
+              <a:rPr lang="en-US" altLang="zh-CN" sz="1620"/>
+              <a:t>html/body/p/text()	// &lt;p&gt; tag</a:t>
+            </a:r>
+            <a:endParaRPr lang="en-US" altLang="zh-CN" sz="1620"/>
+          </a:p>
+          <a:p>
+            <a:pPr lvl="2"/>
+            <a:r>
+              <a:rPr lang="en-US" altLang="zh-CN" sz="1620"/>
+              <a:t>html/body/a/@href	// href attribute of &lt;a&gt; tag</a:t>
+            </a:r>
+            <a:endParaRPr lang="en-US" altLang="zh-CN" sz="1620"/>
+          </a:p>
+          <a:p>
+            <a:pPr lvl="2"/>
+            <a:r>
+              <a:rPr lang="en-US" altLang="zh-CN" sz="1620"/>
+              <a:t>html/body/h2[2]/text()	// 2nd &lt;h2&gt; tag</a:t>
+            </a:r>
+            <a:endParaRPr lang="en-US" altLang="zh-CN" sz="1620"/>
+          </a:p>
+          <a:p>
+            <a:pPr lvl="2"/>
+            <a:r>
+              <a:rPr lang="en-US" altLang="zh-CN" sz="1620"/>
+              <a:t>//div[@title="buyer-name"]/text()</a:t>
+            </a:r>
+            <a:endParaRPr lang="en-US" altLang="zh-CN" sz="1620"/>
+          </a:p>
+          <a:p>
+            <a:pPr lvl="0"/>
+            <a:r>
+              <a:rPr lang="en-US" altLang="zh-CN" sz="2000"/>
+              <a:t>Way to find xpath value</a:t>
+            </a:r>
+            <a:endParaRPr lang="en-US" altLang="zh-CN" sz="2000"/>
+          </a:p>
+          <a:p>
+            <a:pPr lvl="1"/>
+            <a:r>
+              <a:rPr lang="en-US" altLang="zh-CN" sz="1800"/>
+              <a:t>Right-click the element in the page and click on Inspect.</a:t>
+            </a:r>
+            <a:endParaRPr lang="en-US" altLang="zh-CN" sz="1800"/>
+          </a:p>
+          <a:p>
+            <a:pPr lvl="1"/>
+            <a:r>
+              <a:rPr lang="en-US" altLang="zh-CN" sz="1800"/>
+              <a:t>Right click on the element in the Elements Tab.</a:t>
+            </a:r>
+            <a:endParaRPr lang="en-US" altLang="zh-CN" sz="1800"/>
+          </a:p>
+          <a:p>
+            <a:pPr lvl="1"/>
+            <a:r>
+              <a:rPr lang="en-US" altLang="zh-CN" sz="1800"/>
+              <a:t>Click on copy XPath.</a:t>
+            </a:r>
+            <a:endParaRPr lang="en-US" altLang="zh-CN" sz="1800"/>
+          </a:p>
+        </p:txBody>
+      </p:sp>
+      <p:pic>
+        <p:nvPicPr>
+          <p:cNvPr id="110" name="图片 109"/>
+          <p:cNvPicPr/>
+          <p:nvPr>
+            <p:custDataLst>
+              <p:tags r:id="rId1"/>
+            </p:custDataLst>
+          </p:nvPr>
+        </p:nvPicPr>
+        <p:blipFill>
+          <a:blip r:embed="rId2"/>
+          <a:stretch>
+            <a:fillRect/>
+          </a:stretch>
+        </p:blipFill>
+        <p:spPr>
+          <a:xfrm>
+            <a:off x="6471920" y="1517650"/>
+            <a:ext cx="5465445" cy="2275205"/>
+          </a:xfrm>
+          <a:prstGeom prst="rect">
+            <a:avLst/>
+          </a:prstGeom>
+          <a:noFill/>
+          <a:ln w="9525">
+            <a:noFill/>
+          </a:ln>
+        </p:spPr>
+      </p:pic>
+    </p:spTree>
+    <p:custDataLst>
+      <p:tags r:id="rId3"/>
+    </p:custDataLst>
+  </p:cSld>
+  <p:clrMapOvr>
+    <a:masterClrMapping/>
+  </p:clrMapOvr>
+</p:sld>
+</file>
+
+<file path=ppt/slides/slide7.xml><?xml version="1.0" encoding="utf-8"?>
+<p:sld xmlns:a="http://schemas.openxmlformats.org/drawingml/2006/main" xmlns:r="http://schemas.openxmlformats.org/officeDocument/2006/relationships" xmlns:p="http://schemas.openxmlformats.org/presentationml/2006/main">
+  <p:cSld>
+    <p:spTree>
+      <p:nvGrpSpPr>
+        <p:cNvPr id="1" name=""/>
+        <p:cNvGrpSpPr/>
+        <p:nvPr/>
+      </p:nvGrpSpPr>
+      <p:grpSpPr/>
+      <p:sp>
+        <p:nvSpPr>
+          <p:cNvPr id="4" name="标题 3"/>
+          <p:cNvSpPr>
+            <a:spLocks noGrp="1"/>
+          </p:cNvSpPr>
+          <p:nvPr>
+            <p:ph type="title"/>
+          </p:nvPr>
+        </p:nvSpPr>
+        <p:spPr/>
+        <p:txBody>
+          <a:bodyPr/>
+          <a:p>
+            <a:r>
+              <a:rPr lang="en-US" altLang="zh-CN"/>
+              <a:t>Scrapy</a:t>
+            </a:r>
+            <a:endParaRPr lang="en-US" altLang="zh-CN"/>
+          </a:p>
+        </p:txBody>
+      </p:sp>
+      <p:sp>
+        <p:nvSpPr>
+          <p:cNvPr id="5" name="文本占位符 4"/>
+          <p:cNvSpPr>
+            <a:spLocks noGrp="1"/>
+          </p:cNvSpPr>
+          <p:nvPr>
+            <p:ph type="body" idx="1"/>
+          </p:nvPr>
+        </p:nvSpPr>
+        <p:spPr/>
+        <p:txBody>
+          <a:bodyPr/>
+          <a:p>
+            <a:endParaRPr lang="zh-CN" altLang="en-US"/>
+          </a:p>
+        </p:txBody>
+      </p:sp>
+    </p:spTree>
+    <p:custDataLst>
+      <p:tags r:id="rId1"/>
+    </p:custDataLst>
+  </p:cSld>
+  <p:clrMapOvr>
+    <a:masterClrMapping/>
+  </p:clrMapOvr>
+</p:sld>
+</file>
+
+<file path=ppt/slides/slide8.xml><?xml version="1.0" encoding="utf-8"?>
+<p:sld xmlns:a="http://schemas.openxmlformats.org/drawingml/2006/main" xmlns:r="http://schemas.openxmlformats.org/officeDocument/2006/relationships" xmlns:p="http://schemas.openxmlformats.org/presentationml/2006/main">
+  <p:cSld>
+    <p:spTree>
+      <p:nvGrpSpPr>
+        <p:cNvPr id="1" name=""/>
+        <p:cNvGrpSpPr/>
+        <p:nvPr/>
+      </p:nvGrpSpPr>
+      <p:grpSpPr/>
+      <p:sp>
+        <p:nvSpPr>
+          <p:cNvPr id="2" name="标题 1"/>
+          <p:cNvSpPr>
+            <a:spLocks noGrp="1"/>
+          </p:cNvSpPr>
+          <p:nvPr>
+            <p:ph type="title"/>
+          </p:nvPr>
+        </p:nvSpPr>
+        <p:spPr/>
+        <p:txBody>
+          <a:bodyPr/>
+          <a:p>
+            <a:r>
+              <a:rPr lang="en-US" altLang="zh-CN"/>
+              <a:t>Introduction</a:t>
+            </a:r>
+            <a:endParaRPr lang="en-US" altLang="zh-CN"/>
+          </a:p>
+        </p:txBody>
+      </p:sp>
+      <p:sp>
+        <p:nvSpPr>
+          <p:cNvPr id="3" name="内容占位符 2"/>
+          <p:cNvSpPr>
+            <a:spLocks noGrp="1"/>
+          </p:cNvSpPr>
+          <p:nvPr>
+            <p:ph idx="1"/>
+          </p:nvPr>
+        </p:nvSpPr>
+        <p:spPr>
+          <a:xfrm>
+            <a:off x="838200" y="1211580"/>
+            <a:ext cx="5342890" cy="5046980"/>
+          </a:xfrm>
+        </p:spPr>
+        <p:txBody>
+          <a:bodyPr>
+            <a:noAutofit/>
+          </a:bodyPr>
+          <a:p>
+            <a:r>
+              <a:rPr lang="en-US" altLang="zh-CN" sz="1400"/>
+              <a:t>References</a:t>
+            </a:r>
+            <a:endParaRPr lang="en-US" altLang="zh-CN" sz="1400"/>
+          </a:p>
+          <a:p>
+            <a:pPr lvl="1"/>
+            <a:r>
+              <a:rPr lang="en-US" altLang="zh-CN" sz="1200"/>
+              <a:t>https://docs.scrapy.org/en/latest/intro/tutorial.html</a:t>
+            </a:r>
+            <a:endParaRPr lang="en-US" altLang="zh-CN" sz="1200"/>
+          </a:p>
+          <a:p>
+            <a:pPr lvl="1"/>
+            <a:r>
+              <a:rPr lang="en-US" altLang="zh-CN" sz="1200"/>
+              <a:t>https://www.digitalocean.com/community/tutorials/how-to-crawl-a-web-page-with-scrapy-and-python-3</a:t>
+            </a:r>
+            <a:endParaRPr lang="en-US" altLang="zh-CN" sz="1200"/>
+          </a:p>
+          <a:p>
+            <a:r>
+              <a:rPr lang="en-US" altLang="zh-CN" sz="1400"/>
+              <a:t>Intro</a:t>
+            </a:r>
+            <a:endParaRPr lang="en-US" altLang="zh-CN" sz="1400"/>
+          </a:p>
+          <a:p>
+            <a:pPr lvl="1"/>
+            <a:r>
+              <a:rPr lang="en-US" altLang="zh-CN" sz="1200"/>
+              <a:t>An open source and collaborative framework for extracting the data you need from websites.</a:t>
+            </a:r>
+            <a:endParaRPr lang="en-US" altLang="zh-CN" sz="1200"/>
+          </a:p>
+          <a:p>
+            <a:r>
+              <a:rPr lang="en-US" altLang="zh-CN" sz="1400"/>
+              <a:t>Install</a:t>
+            </a:r>
+            <a:endParaRPr lang="en-US" altLang="zh-CN" sz="1400"/>
+          </a:p>
+          <a:p>
+            <a:pPr lvl="1"/>
+            <a:r>
+              <a:rPr lang="en-US" altLang="zh-CN" sz="1200"/>
+              <a:t>pip install scrapy</a:t>
+            </a:r>
+            <a:endParaRPr lang="en-US" altLang="zh-CN" sz="1200"/>
+          </a:p>
+          <a:p>
+            <a:pPr lvl="0"/>
+            <a:r>
+              <a:rPr lang="en-US" altLang="zh-CN" sz="1400"/>
+              <a:t>Usage</a:t>
+            </a:r>
+            <a:endParaRPr lang="en-US" altLang="zh-CN" sz="1400"/>
+          </a:p>
+          <a:p>
+            <a:pPr lvl="1"/>
+            <a:r>
+              <a:rPr lang="en-US" altLang="zh-CN" sz="1200"/>
+              <a:t>write spider.py</a:t>
+            </a:r>
+            <a:endParaRPr lang="en-US" altLang="zh-CN" sz="1200"/>
+          </a:p>
+          <a:p>
+            <a:pPr lvl="2"/>
+            <a:r>
+              <a:rPr lang="en-US" altLang="zh-CN" sz="1000"/>
+              <a:t>import scrapy</a:t>
+            </a:r>
+            <a:endParaRPr lang="en-US" altLang="zh-CN" sz="1000"/>
+          </a:p>
+          <a:p>
+            <a:pPr lvl="2"/>
+            <a:r>
+              <a:rPr lang="en-US" altLang="zh-CN" sz="1000"/>
+              <a:t>class scrapy.Spider</a:t>
+            </a:r>
+            <a:endParaRPr lang="en-US" altLang="zh-CN" sz="1000"/>
+          </a:p>
+          <a:p>
+            <a:pPr lvl="3"/>
+            <a:r>
+              <a:rPr lang="en-US" altLang="zh-CN" sz="1000"/>
+              <a:t>parse(self, response)</a:t>
+            </a:r>
+            <a:endParaRPr lang="en-US" altLang="zh-CN" sz="1000"/>
+          </a:p>
+          <a:p>
+            <a:pPr lvl="1"/>
+            <a:r>
+              <a:rPr lang="en-US" altLang="zh-CN" sz="1200"/>
+              <a:t>scrapy runspider spider.py -o output json</a:t>
+            </a:r>
+            <a:endParaRPr lang="en-US" altLang="zh-CN" sz="1200"/>
+          </a:p>
+          <a:p>
+            <a:pPr lvl="1"/>
+            <a:r>
+              <a:rPr lang="en-US" altLang="zh-CN" sz="1200"/>
+              <a:t>scrapy shell “http://...”</a:t>
+            </a:r>
+            <a:endParaRPr lang="en-US" altLang="zh-CN" sz="1200"/>
+          </a:p>
+          <a:p>
+            <a:pPr lvl="1"/>
+            <a:r>
+              <a:rPr lang="en-US" altLang="zh-CN" sz="1200"/>
+              <a:t>reponse</a:t>
+            </a:r>
+            <a:endParaRPr lang="en-US" altLang="zh-CN" sz="1200"/>
+          </a:p>
+          <a:p>
+            <a:pPr lvl="2"/>
+            <a:r>
+              <a:rPr lang="en-US" altLang="zh-CN" sz="1000"/>
+              <a:t>body, encoding</a:t>
+            </a:r>
+            <a:endParaRPr lang="en-US" altLang="zh-CN" sz="1000"/>
+          </a:p>
+          <a:p>
+            <a:pPr lvl="1"/>
+            <a:r>
+              <a:rPr lang="en-US" altLang="zh-CN" sz="1200"/>
+              <a:t>Select elements</a:t>
+            </a:r>
+            <a:endParaRPr lang="en-US" altLang="zh-CN" sz="1200"/>
+          </a:p>
+          <a:p>
+            <a:pPr lvl="2"/>
+            <a:r>
+              <a:rPr lang="en-US" altLang="zh-CN" sz="1000"/>
+              <a:t>response.css('...')</a:t>
+            </a:r>
+            <a:endParaRPr lang="en-US" altLang="zh-CN" sz="1000"/>
+          </a:p>
+          <a:p>
+            <a:pPr lvl="2"/>
+            <a:r>
+              <a:rPr lang="en-US" altLang="zh-CN" sz="1000"/>
+              <a:t>response.xpath('//title/text()')</a:t>
+            </a:r>
+            <a:endParaRPr lang="en-US" altLang="zh-CN" sz="1000"/>
+          </a:p>
+          <a:p>
+            <a:pPr lvl="0"/>
+            <a:r>
+              <a:rPr lang="en-US" altLang="zh-CN" sz="1330"/>
+              <a:t>Settings</a:t>
+            </a:r>
+            <a:endParaRPr lang="en-US" altLang="zh-CN" sz="1330"/>
+          </a:p>
+          <a:p>
+            <a:pPr lvl="1"/>
+            <a:r>
+              <a:rPr lang="en-US" altLang="zh-CN" sz="1105"/>
+              <a:t>USER_AGENT, DOWNLOAD_DELAY, CONCURRENT_REQUESTS_PER_DOMAIN, AUTOTHRUTTLE_ENABLED</a:t>
+            </a:r>
+            <a:endParaRPr lang="en-US" altLang="zh-CN" sz="1105"/>
+          </a:p>
+          <a:p>
+            <a:pPr lvl="1"/>
+            <a:endParaRPr lang="en-US" altLang="zh-CN" sz="1000"/>
+          </a:p>
+        </p:txBody>
+      </p:sp>
+      <p:pic>
+        <p:nvPicPr>
+          <p:cNvPr id="108" name="图片 107"/>
+          <p:cNvPicPr/>
+          <p:nvPr/>
+        </p:nvPicPr>
+        <p:blipFill>
+          <a:blip r:embed="rId1"/>
+          <a:stretch>
+            <a:fillRect/>
+          </a:stretch>
+        </p:blipFill>
+        <p:spPr>
+          <a:xfrm>
+            <a:off x="6367145" y="987425"/>
+            <a:ext cx="5478145" cy="3678555"/>
+          </a:xfrm>
+          <a:prstGeom prst="rect">
+            <a:avLst/>
+          </a:prstGeom>
+          <a:noFill/>
+          <a:ln w="9525">
+            <a:noFill/>
+          </a:ln>
+        </p:spPr>
+      </p:pic>
+    </p:spTree>
+    <p:custDataLst>
+      <p:tags r:id="rId2"/>
+    </p:custDataLst>
+  </p:cSld>
+  <p:clrMapOvr>
+    <a:masterClrMapping/>
+  </p:clrMapOvr>
+</p:sld>
+</file>
+
+<file path=ppt/slides/slide9.xml><?xml version="1.0" encoding="utf-8"?>
+<p:sld xmlns:a="http://schemas.openxmlformats.org/drawingml/2006/main" xmlns:r="http://schemas.openxmlformats.org/officeDocument/2006/relationships" xmlns:p="http://schemas.openxmlformats.org/presentationml/2006/main">
+  <p:cSld>
+    <p:spTree>
+      <p:nvGrpSpPr>
+        <p:cNvPr id="1" name=""/>
+        <p:cNvGrpSpPr/>
+        <p:nvPr/>
+      </p:nvGrpSpPr>
+      <p:grpSpPr/>
+      <p:sp>
+        <p:nvSpPr>
+          <p:cNvPr id="2" name="标题 1"/>
+          <p:cNvSpPr>
+            <a:spLocks noGrp="1"/>
+          </p:cNvSpPr>
+          <p:nvPr>
+            <p:ph type="title"/>
+          </p:nvPr>
+        </p:nvSpPr>
+        <p:spPr/>
+        <p:txBody>
+          <a:bodyPr/>
+          <a:p>
+            <a:r>
+              <a:rPr lang="en-US" altLang="zh-CN"/>
               <a:t>Project</a:t>
             </a:r>
             <a:endParaRPr lang="en-US" altLang="zh-CN"/>
@@ -4092,6 +4899,58 @@
   <p:tag name="KSO_WM_TAG_VERSION" val="1.0"/>
   <p:tag name="KSO_WM_TEMPLATE_CATEGORY" val="custom"/>
   <p:tag name="KSO_WM_TEMPLATE_INDEX" val="160402"/>
+</p:tagLst>
+</file>
+
+<file path=ppt/tags/tag10.xml><?xml version="1.0" encoding="utf-8"?>
+<p:tagLst xmlns:p="http://schemas.openxmlformats.org/presentationml/2006/main">
+  <p:tag name="KSO_WM_BEAUTIFY_FLAG" val="#wm#"/>
+  <p:tag name="KSO_WM_TEMPLATE_CATEGORY" val="custom"/>
+  <p:tag name="KSO_WM_TEMPLATE_INDEX" val="160402"/>
+</p:tagLst>
+</file>
+
+<file path=ppt/tags/tag11.xml><?xml version="1.0" encoding="utf-8"?>
+<p:tagLst xmlns:p="http://schemas.openxmlformats.org/presentationml/2006/main">
+  <p:tag name="KSO_WM_BEAUTIFY_FLAG" val=""/>
+</p:tagLst>
+</file>
+
+<file path=ppt/tags/tag12.xml><?xml version="1.0" encoding="utf-8"?>
+<p:tagLst xmlns:p="http://schemas.openxmlformats.org/presentationml/2006/main">
+  <p:tag name="KSO_WM_BEAUTIFY_FLAG" val="#wm#"/>
+  <p:tag name="KSO_WM_TEMPLATE_CATEGORY" val="custom"/>
+  <p:tag name="KSO_WM_TEMPLATE_INDEX" val="160402"/>
+</p:tagLst>
+</file>
+
+<file path=ppt/tags/tag13.xml><?xml version="1.0" encoding="utf-8"?>
+<p:tagLst xmlns:p="http://schemas.openxmlformats.org/presentationml/2006/main">
+  <p:tag name="KSO_WM_BEAUTIFY_FLAG" val="#wm#"/>
+  <p:tag name="KSO_WM_TEMPLATE_CATEGORY" val="custom"/>
+  <p:tag name="KSO_WM_TEMPLATE_INDEX" val="160402"/>
+</p:tagLst>
+</file>
+
+<file path=ppt/tags/tag14.xml><?xml version="1.0" encoding="utf-8"?>
+<p:tagLst xmlns:p="http://schemas.openxmlformats.org/presentationml/2006/main">
+  <p:tag name="KSO_WM_BEAUTIFY_FLAG" val="#wm#"/>
+  <p:tag name="KSO_WM_TEMPLATE_CATEGORY" val="custom"/>
+  <p:tag name="KSO_WM_TEMPLATE_INDEX" val="160402"/>
+</p:tagLst>
+</file>
+
+<file path=ppt/tags/tag15.xml><?xml version="1.0" encoding="utf-8"?>
+<p:tagLst xmlns:p="http://schemas.openxmlformats.org/presentationml/2006/main">
+  <p:tag name="KSO_WM_BEAUTIFY_FLAG" val="#wm#"/>
+  <p:tag name="KSO_WM_TEMPLATE_CATEGORY" val="custom"/>
+  <p:tag name="KSO_WM_TEMPLATE_INDEX" val="160402"/>
+</p:tagLst>
+</file>
+
+<file path=ppt/tags/tag16.xml><?xml version="1.0" encoding="utf-8"?>
+<p:tagLst xmlns:p="http://schemas.openxmlformats.org/presentationml/2006/main">
+  <p:tag name="commondata" val="eyJoZGlkIjoiYjRhZjQ5NWVmZmQxNmM3NmNkNDYxNWRmNzNmMjA1ZDAifQ=="/>
 </p:tagLst>
 </file>
 
